--- a/_site/labs/Lab04/Lab04.pptx
+++ b/_site/labs/Lab04/Lab04.pptx
@@ -7,6 +7,7 @@
   <p:sldIdLst>
     <p:sldId id="256" r:id="rId2"/>
     <p:sldId id="257" r:id="rId3"/>
+    <p:sldId id="258" r:id="rId4"/>
   </p:sldIdLst>
   <p:sldSz cx="12192000" cy="6858000"/>
   <p:notesSz cx="6858000" cy="9144000"/>
@@ -4924,11 +4925,46 @@
             <a:pPr lvl="0" indent="0" marL="0">
               <a:buNone/>
             </a:pPr>
+            <a:r>
+              <a:rPr/>
+              <a:t>Variables, Design &amp; Notation</a:t>
+            </a:r>
             <a:br/>
             <a:br/>
             <a:r>
               <a:rPr/>
               <a:t>Dr. Gordon Wright</a:t>
+            </a:r>
+          </a:p>
+        </p:txBody>
+      </p:sp>
+      <p:sp>
+        <p:nvSpPr>
+          <p:cNvPr id="4" name="Date Placeholder 3">
+            <a:extLst>
+              <a:ext uri="{FF2B5EF4-FFF2-40B4-BE49-F238E27FC236}">
+                <a16:creationId xmlns:a16="http://schemas.microsoft.com/office/drawing/2014/main" id="{1069A7C7-1ADA-474D-B8F0-3471D14F86DA}"/>
+              </a:ext>
+            </a:extLst>
+          </p:cNvPr>
+          <p:cNvSpPr>
+            <a:spLocks noGrp="1"/>
+          </p:cNvSpPr>
+          <p:nvPr>
+            <p:ph idx="10" sz="half" type="dt"/>
+          </p:nvPr>
+        </p:nvSpPr>
+        <p:spPr/>
+        <p:txBody>
+          <a:bodyPr/>
+          <a:lstStyle/>
+          <a:p>
+            <a:pPr lvl="0" indent="0" marL="0">
+              <a:buNone/>
+            </a:pPr>
+            <a:r>
+              <a:rPr/>
+              <a:t>25 October, 2022</a:t>
             </a:r>
           </a:p>
         </p:txBody>
@@ -4989,7 +5025,126 @@
             </a:pPr>
             <a:r>
               <a:rPr/>
-              <a:t>Content pending</a:t>
+              <a:t>Getting clarity on your variables</a:t>
+            </a:r>
+          </a:p>
+        </p:txBody>
+      </p:sp>
+    </p:spTree>
+  </p:cSld>
+</p:sld>
+</file>
+
+<file path=ppt/slides/slide3.xml><?xml version="1.0" encoding="utf-8"?>
+<p:sld xmlns:a="http://schemas.openxmlformats.org/drawingml/2006/main" xmlns:r="http://schemas.openxmlformats.org/officeDocument/2006/relationships" xmlns:p="http://schemas.openxmlformats.org/presentationml/2006/main">
+  <p:cSld>
+    <p:spTree>
+      <p:nvGrpSpPr>
+        <p:cNvPr id="1" name=""/>
+        <p:cNvGrpSpPr/>
+        <p:nvPr/>
+      </p:nvGrpSpPr>
+      <p:grpSpPr>
+        <a:xfrm>
+          <a:off x="0" y="0"/>
+          <a:ext cx="0" cy="0"/>
+          <a:chOff x="0" y="0"/>
+          <a:chExt cx="0" cy="0"/>
+        </a:xfrm>
+      </p:grpSpPr>
+      <p:sp>
+        <p:nvSpPr>
+          <p:cNvPr id="2" name="Title 1">
+            <a:extLst>
+              <a:ext uri="{FF2B5EF4-FFF2-40B4-BE49-F238E27FC236}">
+                <a16:creationId xmlns:a16="http://schemas.microsoft.com/office/drawing/2014/main" id="{DD9B8E45-0772-954C-8D4B-6E6808DFEDED}"/>
+              </a:ext>
+            </a:extLst>
+          </p:cNvPr>
+          <p:cNvSpPr>
+            <a:spLocks noGrp="1"/>
+          </p:cNvSpPr>
+          <p:nvPr>
+            <p:ph type="title"/>
+          </p:nvPr>
+        </p:nvSpPr>
+        <p:spPr>
+          <a:xfrm>
+            <a:off x="838200" y="365129"/>
+            <a:ext cx="10002520" cy="1325563"/>
+          </a:xfrm>
+          <a:prstGeom prst="rect">
+            <a:avLst/>
+          </a:prstGeom>
+        </p:spPr>
+        <p:txBody>
+          <a:bodyPr/>
+          <a:lstStyle/>
+          <a:p>
+            <a:pPr lvl="0" indent="0" marL="0">
+              <a:buNone/>
+            </a:pPr>
+            <a:r>
+              <a:rPr/>
+              <a:t>Individual mini-dissertations</a:t>
+            </a:r>
+          </a:p>
+        </p:txBody>
+      </p:sp>
+      <p:sp>
+        <p:nvSpPr>
+          <p:cNvPr id="3" name="Content Placeholder 2">
+            <a:extLst>
+              <a:ext uri="{FF2B5EF4-FFF2-40B4-BE49-F238E27FC236}">
+                <a16:creationId xmlns:a16="http://schemas.microsoft.com/office/drawing/2014/main" id="{A4EB24F9-04F1-C843-9D71-56C5C024552B}"/>
+              </a:ext>
+            </a:extLst>
+          </p:cNvPr>
+          <p:cNvSpPr>
+            <a:spLocks noGrp="1"/>
+          </p:cNvSpPr>
+          <p:nvPr>
+            <p:ph idx="1"/>
+          </p:nvPr>
+        </p:nvSpPr>
+        <p:spPr/>
+        <p:txBody>
+          <a:bodyPr/>
+          <a:lstStyle/>
+          <a:p>
+            <a:pPr lvl="0" indent="0" marL="0">
+              <a:buNone/>
+            </a:pPr>
+            <a:r>
+              <a:rPr/>
+              <a:t>2x2 ANOVA design with a single continuous DV</a:t>
+            </a:r>
+          </a:p>
+          <a:p>
+            <a:pPr lvl="0" indent="0" marL="0">
+              <a:buNone/>
+            </a:pPr>
+            <a:r>
+              <a:rPr/>
+              <a:t>Factorial</a:t>
+            </a:r>
+          </a:p>
+          <a:p>
+            <a:pPr lvl="0" indent="0" marL="0">
+              <a:buNone/>
+            </a:pPr>
+            <a:r>
+              <a:rPr/>
+              <a:t>Mixed</a:t>
+            </a:r>
+          </a:p>
+          <a:p>
+            <a:pPr lvl="0" indent="0" marL="0">
+              <a:buNone/>
+            </a:pPr>
+            <a:r>
+              <a:rPr/>
+              <a:t>Repeated-Measures (within-subject)</a:t>
             </a:r>
           </a:p>
         </p:txBody>

--- a/_site/labs/Lab04/Lab04.pptx
+++ b/_site/labs/Lab04/Lab04.pptx
@@ -8,6 +8,15 @@
     <p:sldId id="256" r:id="rId2"/>
     <p:sldId id="257" r:id="rId3"/>
     <p:sldId id="258" r:id="rId4"/>
+    <p:sldId id="259" r:id="rId5"/>
+    <p:sldId id="260" r:id="rId6"/>
+    <p:sldId id="261" r:id="rId7"/>
+    <p:sldId id="262" r:id="rId8"/>
+    <p:sldId id="263" r:id="rId9"/>
+    <p:sldId id="264" r:id="rId10"/>
+    <p:sldId id="265" r:id="rId11"/>
+    <p:sldId id="266" r:id="rId12"/>
+    <p:sldId id="267" r:id="rId13"/>
   </p:sldIdLst>
   <p:sldSz cx="12192000" cy="6858000"/>
   <p:notesSz cx="6858000" cy="9144000"/>
@@ -4974,6 +4983,343 @@
 </p:sld>
 </file>
 
+<file path=ppt/slides/slide10.xml><?xml version="1.0" encoding="utf-8"?>
+<p:sld xmlns:a="http://schemas.openxmlformats.org/drawingml/2006/main" xmlns:r="http://schemas.openxmlformats.org/officeDocument/2006/relationships" xmlns:p="http://schemas.openxmlformats.org/presentationml/2006/main">
+  <p:cSld>
+    <p:spTree>
+      <p:nvGrpSpPr>
+        <p:cNvPr id="1" name=""/>
+        <p:cNvGrpSpPr/>
+        <p:nvPr/>
+      </p:nvGrpSpPr>
+      <p:grpSpPr>
+        <a:xfrm>
+          <a:off x="0" y="0"/>
+          <a:ext cx="0" cy="0"/>
+          <a:chOff x="0" y="0"/>
+          <a:chExt cx="0" cy="0"/>
+        </a:xfrm>
+      </p:grpSpPr>
+      <p:sp>
+        <p:nvSpPr>
+          <p:cNvPr id="2" name="Title 1">
+            <a:extLst>
+              <a:ext uri="{FF2B5EF4-FFF2-40B4-BE49-F238E27FC236}">
+                <a16:creationId xmlns:a16="http://schemas.microsoft.com/office/drawing/2014/main" id="{DD9B8E45-0772-954C-8D4B-6E6808DFEDED}"/>
+              </a:ext>
+            </a:extLst>
+          </p:cNvPr>
+          <p:cNvSpPr>
+            <a:spLocks noGrp="1"/>
+          </p:cNvSpPr>
+          <p:nvPr>
+            <p:ph type="title"/>
+          </p:nvPr>
+        </p:nvSpPr>
+        <p:spPr>
+          <a:xfrm>
+            <a:off x="838200" y="365129"/>
+            <a:ext cx="10002520" cy="1325563"/>
+          </a:xfrm>
+          <a:prstGeom prst="rect">
+            <a:avLst/>
+          </a:prstGeom>
+        </p:spPr>
+        <p:txBody>
+          <a:bodyPr/>
+          <a:lstStyle/>
+          <a:p>
+            <a:pPr lvl="0" indent="0" marL="0">
+              <a:buNone/>
+            </a:pPr>
+            <a:r>
+              <a:rPr/>
+              <a:t>graph key for following charts</a:t>
+            </a:r>
+          </a:p>
+        </p:txBody>
+      </p:sp>
+      <p:sp>
+        <p:nvSpPr>
+          <p:cNvPr id="3" name="Content Placeholder 2">
+            <a:extLst>
+              <a:ext uri="{FF2B5EF4-FFF2-40B4-BE49-F238E27FC236}">
+                <a16:creationId xmlns:a16="http://schemas.microsoft.com/office/drawing/2014/main" id="{A4EB24F9-04F1-C843-9D71-56C5C024552B}"/>
+              </a:ext>
+            </a:extLst>
+          </p:cNvPr>
+          <p:cNvSpPr>
+            <a:spLocks noGrp="1"/>
+          </p:cNvSpPr>
+          <p:nvPr>
+            <p:ph idx="1"/>
+          </p:nvPr>
+        </p:nvSpPr>
+        <p:spPr/>
+        <p:txBody>
+          <a:bodyPr/>
+          <a:lstStyle/>
+          <a:p>
+            <a:pPr lvl="0"/>
+            <a:r>
+              <a:rPr/>
+              <a:t>1 = there was a main effect for IV1.</a:t>
+            </a:r>
+          </a:p>
+          <a:p>
+            <a:pPr lvl="0"/>
+            <a:r>
+              <a:rPr/>
+              <a:t>~1 = there was </a:t>
+            </a:r>
+            <a:r>
+              <a:rPr b="1"/>
+              <a:t>not</a:t>
+            </a:r>
+            <a:r>
+              <a:rPr/>
+              <a:t> a main effect for IV1</a:t>
+            </a:r>
+          </a:p>
+          <a:p>
+            <a:pPr lvl="0"/>
+            <a:r>
+              <a:rPr/>
+              <a:t>2 = there was a main effect for IV2</a:t>
+            </a:r>
+          </a:p>
+          <a:p>
+            <a:pPr lvl="0"/>
+            <a:r>
+              <a:rPr/>
+              <a:t>~2 = there was </a:t>
+            </a:r>
+            <a:r>
+              <a:rPr b="1"/>
+              <a:t>not</a:t>
+            </a:r>
+            <a:r>
+              <a:rPr/>
+              <a:t> a main effect of IV2</a:t>
+            </a:r>
+          </a:p>
+          <a:p>
+            <a:pPr lvl="0"/>
+            <a:r>
+              <a:rPr/>
+              <a:t>1x2 = there was an interaction</a:t>
+            </a:r>
+          </a:p>
+          <a:p>
+            <a:pPr lvl="0"/>
+            <a:r>
+              <a:rPr/>
+              <a:t>~1x2 = there was </a:t>
+            </a:r>
+            <a:r>
+              <a:rPr b="1"/>
+              <a:t>not</a:t>
+            </a:r>
+            <a:r>
+              <a:rPr/>
+              <a:t> an interaction</a:t>
+            </a:r>
+          </a:p>
+        </p:txBody>
+      </p:sp>
+    </p:spTree>
+  </p:cSld>
+</p:sld>
+</file>
+
+<file path=ppt/slides/slide11.xml><?xml version="1.0" encoding="utf-8"?>
+<p:sld xmlns:a="http://schemas.openxmlformats.org/drawingml/2006/main" xmlns:r="http://schemas.openxmlformats.org/officeDocument/2006/relationships" xmlns:p="http://schemas.openxmlformats.org/presentationml/2006/main">
+  <p:cSld>
+    <p:spTree>
+      <p:nvGrpSpPr>
+        <p:cNvPr id="1" name=""/>
+        <p:cNvGrpSpPr/>
+        <p:nvPr/>
+      </p:nvGrpSpPr>
+      <p:grpSpPr>
+        <a:xfrm>
+          <a:off x="0" y="0"/>
+          <a:ext cx="0" cy="0"/>
+          <a:chOff x="0" y="0"/>
+          <a:chExt cx="0" cy="0"/>
+        </a:xfrm>
+      </p:grpSpPr>
+      <p:sp>
+        <p:nvSpPr>
+          <p:cNvPr id="2" name="Title 1">
+            <a:extLst>
+              <a:ext uri="{FF2B5EF4-FFF2-40B4-BE49-F238E27FC236}">
+                <a16:creationId xmlns:a16="http://schemas.microsoft.com/office/drawing/2014/main" id="{DD9B8E45-0772-954C-8D4B-6E6808DFEDED}"/>
+              </a:ext>
+            </a:extLst>
+          </p:cNvPr>
+          <p:cNvSpPr>
+            <a:spLocks noGrp="1"/>
+          </p:cNvSpPr>
+          <p:nvPr>
+            <p:ph type="title"/>
+          </p:nvPr>
+        </p:nvSpPr>
+        <p:spPr>
+          <a:xfrm>
+            <a:off x="838200" y="365129"/>
+            <a:ext cx="10002520" cy="1325563"/>
+          </a:xfrm>
+          <a:prstGeom prst="rect">
+            <a:avLst/>
+          </a:prstGeom>
+        </p:spPr>
+        <p:txBody>
+          <a:bodyPr/>
+          <a:lstStyle/>
+          <a:p>
+            <a:pPr lvl="0" indent="0" marL="0">
+              <a:buNone/>
+            </a:pPr>
+            <a:r>
+              <a:rPr/>
+              <a:t>Bar charts</a:t>
+            </a:r>
+          </a:p>
+        </p:txBody>
+      </p:sp>
+      <p:sp>
+        <p:nvSpPr>
+          <p:cNvPr id="3" name="Content Placeholder 2">
+            <a:extLst>
+              <a:ext uri="{FF2B5EF4-FFF2-40B4-BE49-F238E27FC236}">
+                <a16:creationId xmlns:a16="http://schemas.microsoft.com/office/drawing/2014/main" id="{A4EB24F9-04F1-C843-9D71-56C5C024552B}"/>
+              </a:ext>
+            </a:extLst>
+          </p:cNvPr>
+          <p:cNvSpPr>
+            <a:spLocks noGrp="1"/>
+          </p:cNvSpPr>
+          <p:nvPr>
+            <p:ph idx="1"/>
+          </p:nvPr>
+        </p:nvSpPr>
+        <p:spPr/>
+        <p:txBody>
+          <a:bodyPr/>
+          <a:lstStyle/>
+          <a:p>
+            <a:pPr lvl="0" indent="0" marL="0">
+              <a:buNone/>
+            </a:pPr>
+            <a:r>
+              <a:rPr>
+                <a:hlinkClick r:id="rId2"/>
+              </a:rPr>
+              <a:t>https://crumplab.com/statistics/10-MixedANOVA.html#fig-10bar22</a:t>
+            </a:r>
+          </a:p>
+        </p:txBody>
+      </p:sp>
+    </p:spTree>
+  </p:cSld>
+</p:sld>
+</file>
+
+<file path=ppt/slides/slide12.xml><?xml version="1.0" encoding="utf-8"?>
+<p:sld xmlns:a="http://schemas.openxmlformats.org/drawingml/2006/main" xmlns:r="http://schemas.openxmlformats.org/officeDocument/2006/relationships" xmlns:p="http://schemas.openxmlformats.org/presentationml/2006/main">
+  <p:cSld>
+    <p:spTree>
+      <p:nvGrpSpPr>
+        <p:cNvPr id="1" name=""/>
+        <p:cNvGrpSpPr/>
+        <p:nvPr/>
+      </p:nvGrpSpPr>
+      <p:grpSpPr>
+        <a:xfrm>
+          <a:off x="0" y="0"/>
+          <a:ext cx="0" cy="0"/>
+          <a:chOff x="0" y="0"/>
+          <a:chExt cx="0" cy="0"/>
+        </a:xfrm>
+      </p:grpSpPr>
+      <p:sp>
+        <p:nvSpPr>
+          <p:cNvPr id="2" name="Title 1">
+            <a:extLst>
+              <a:ext uri="{FF2B5EF4-FFF2-40B4-BE49-F238E27FC236}">
+                <a16:creationId xmlns:a16="http://schemas.microsoft.com/office/drawing/2014/main" id="{DD9B8E45-0772-954C-8D4B-6E6808DFEDED}"/>
+              </a:ext>
+            </a:extLst>
+          </p:cNvPr>
+          <p:cNvSpPr>
+            <a:spLocks noGrp="1"/>
+          </p:cNvSpPr>
+          <p:nvPr>
+            <p:ph type="title"/>
+          </p:nvPr>
+        </p:nvSpPr>
+        <p:spPr>
+          <a:xfrm>
+            <a:off x="838200" y="365129"/>
+            <a:ext cx="10002520" cy="1325563"/>
+          </a:xfrm>
+          <a:prstGeom prst="rect">
+            <a:avLst/>
+          </a:prstGeom>
+        </p:spPr>
+        <p:txBody>
+          <a:bodyPr/>
+          <a:lstStyle/>
+          <a:p>
+            <a:pPr lvl="0" indent="0" marL="0">
+              <a:buNone/>
+            </a:pPr>
+            <a:r>
+              <a:rPr/>
+              <a:t>Line plots</a:t>
+            </a:r>
+          </a:p>
+        </p:txBody>
+      </p:sp>
+      <p:sp>
+        <p:nvSpPr>
+          <p:cNvPr id="3" name="Content Placeholder 2">
+            <a:extLst>
+              <a:ext uri="{FF2B5EF4-FFF2-40B4-BE49-F238E27FC236}">
+                <a16:creationId xmlns:a16="http://schemas.microsoft.com/office/drawing/2014/main" id="{A4EB24F9-04F1-C843-9D71-56C5C024552B}"/>
+              </a:ext>
+            </a:extLst>
+          </p:cNvPr>
+          <p:cNvSpPr>
+            <a:spLocks noGrp="1"/>
+          </p:cNvSpPr>
+          <p:nvPr>
+            <p:ph idx="1"/>
+          </p:nvPr>
+        </p:nvSpPr>
+        <p:spPr/>
+        <p:txBody>
+          <a:bodyPr/>
+          <a:lstStyle/>
+          <a:p>
+            <a:pPr lvl="0" indent="0" marL="0">
+              <a:buNone/>
+            </a:pPr>
+            <a:r>
+              <a:rPr>
+                <a:hlinkClick r:id="rId2"/>
+              </a:rPr>
+              <a:t>https://crumplab.com/statistics/10-MixedANOVA.html#fig-10lines22</a:t>
+            </a:r>
+          </a:p>
+        </p:txBody>
+      </p:sp>
+    </p:spTree>
+  </p:cSld>
+</p:sld>
+</file>
+
 <file path=ppt/slides/slide2.xml><?xml version="1.0" encoding="utf-8"?>
 <p:sld xmlns:a="http://schemas.openxmlformats.org/drawingml/2006/main" xmlns:r="http://schemas.openxmlformats.org/officeDocument/2006/relationships" xmlns:p="http://schemas.openxmlformats.org/presentationml/2006/main">
   <p:cSld>
@@ -5117,34 +5463,761 @@
             </a:pPr>
             <a:r>
               <a:rPr/>
-              <a:t>2x2 ANOVA design with a single continuous DV</a:t>
-            </a:r>
-          </a:p>
+              <a:t>Must conform to a 2x2 ANOVA with a single continuous DV</a:t>
+            </a:r>
+          </a:p>
+        </p:txBody>
+      </p:sp>
+    </p:spTree>
+  </p:cSld>
+</p:sld>
+</file>
+
+<file path=ppt/slides/slide4.xml><?xml version="1.0" encoding="utf-8"?>
+<p:sld xmlns:a="http://schemas.openxmlformats.org/drawingml/2006/main" xmlns:r="http://schemas.openxmlformats.org/officeDocument/2006/relationships" xmlns:p="http://schemas.openxmlformats.org/presentationml/2006/main">
+  <p:cSld>
+    <p:spTree>
+      <p:nvGrpSpPr>
+        <p:cNvPr id="1" name=""/>
+        <p:cNvGrpSpPr/>
+        <p:nvPr/>
+      </p:nvGrpSpPr>
+      <p:grpSpPr>
+        <a:xfrm>
+          <a:off x="0" y="0"/>
+          <a:ext cx="0" cy="0"/>
+          <a:chOff x="0" y="0"/>
+          <a:chExt cx="0" cy="0"/>
+        </a:xfrm>
+      </p:grpSpPr>
+      <p:sp>
+        <p:nvSpPr>
+          <p:cNvPr id="2" name="Title 1">
+            <a:extLst>
+              <a:ext uri="{FF2B5EF4-FFF2-40B4-BE49-F238E27FC236}">
+                <a16:creationId xmlns:a16="http://schemas.microsoft.com/office/drawing/2014/main" id="{F3186003-B489-CA46-A95C-C1AECC0CA4D3}"/>
+              </a:ext>
+            </a:extLst>
+          </p:cNvPr>
+          <p:cNvSpPr>
+            <a:spLocks noGrp="1"/>
+          </p:cNvSpPr>
+          <p:nvPr>
+            <p:ph type="title"/>
+          </p:nvPr>
+        </p:nvSpPr>
+        <p:spPr>
+          <a:xfrm>
+            <a:off x="839788" y="457200"/>
+            <a:ext cx="3932237" cy="1600200"/>
+          </a:xfrm>
+          <a:prstGeom prst="rect">
+            <a:avLst/>
+          </a:prstGeom>
+        </p:spPr>
+        <p:txBody>
+          <a:bodyPr/>
+          <a:lstStyle/>
           <a:p>
             <a:pPr lvl="0" indent="0" marL="0">
               <a:buNone/>
             </a:pPr>
             <a:r>
               <a:rPr/>
-              <a:t>Factorial</a:t>
-            </a:r>
-          </a:p>
+              <a:t>Lab activities</a:t>
+            </a:r>
+          </a:p>
+        </p:txBody>
+      </p:sp>
+      <p:sp>
+        <p:nvSpPr>
+          <p:cNvPr id="4" name="Text Placeholder 3">
+            <a:extLst>
+              <a:ext uri="{FF2B5EF4-FFF2-40B4-BE49-F238E27FC236}">
+                <a16:creationId xmlns:a16="http://schemas.microsoft.com/office/drawing/2014/main" id="{898BA411-2A54-A94A-B3FC-826281DBEADF}"/>
+              </a:ext>
+            </a:extLst>
+          </p:cNvPr>
+          <p:cNvSpPr>
+            <a:spLocks noGrp="1"/>
+          </p:cNvSpPr>
+          <p:nvPr>
+            <p:ph idx="2" sz="half" type="body"/>
+          </p:nvPr>
+        </p:nvSpPr>
+        <p:spPr/>
+        <p:txBody>
+          <a:bodyPr/>
+          <a:lstStyle/>
           <a:p>
             <a:pPr lvl="0" indent="0" marL="0">
               <a:buNone/>
             </a:pPr>
             <a:r>
               <a:rPr/>
-              <a:t>Mixed</a:t>
-            </a:r>
-          </a:p>
+              <a:t>Formalise your individual design</a:t>
+            </a:r>
+          </a:p>
+        </p:txBody>
+      </p:sp>
+      <p:pic>
+        <p:nvPicPr>
+          <p:cNvPr descr="images/paste-9470E2C2.png" id="0" name="Picture 1"/>
+          <p:cNvPicPr>
+            <a:picLocks noGrp="1" noChangeAspect="1"/>
+          </p:cNvPicPr>
+          <p:nvPr/>
+        </p:nvPicPr>
+        <p:blipFill>
+          <a:blip r:embed="rId2"/>
+          <a:stretch>
+            <a:fillRect/>
+          </a:stretch>
+        </p:blipFill>
+        <p:spPr bwMode="auto">
+          <a:xfrm>
+            <a:off x="5181600" y="1282700"/>
+            <a:ext cx="6172200" cy="4267200"/>
+          </a:xfrm>
+          <a:prstGeom prst="rect">
+            <a:avLst/>
+          </a:prstGeom>
+          <a:noFill/>
+          <a:ln w="9525">
+            <a:noFill/>
+            <a:headEnd/>
+            <a:tailEnd/>
+          </a:ln>
+        </p:spPr>
+      </p:pic>
+    </p:spTree>
+  </p:cSld>
+</p:sld>
+</file>
+
+<file path=ppt/slides/slide5.xml><?xml version="1.0" encoding="utf-8"?>
+<p:sld xmlns:a="http://schemas.openxmlformats.org/drawingml/2006/main" xmlns:r="http://schemas.openxmlformats.org/officeDocument/2006/relationships" xmlns:p="http://schemas.openxmlformats.org/presentationml/2006/main">
+  <p:cSld>
+    <p:spTree>
+      <p:nvGrpSpPr>
+        <p:cNvPr id="1" name=""/>
+        <p:cNvGrpSpPr/>
+        <p:nvPr/>
+      </p:nvGrpSpPr>
+      <p:grpSpPr>
+        <a:xfrm>
+          <a:off x="0" y="0"/>
+          <a:ext cx="0" cy="0"/>
+          <a:chOff x="0" y="0"/>
+          <a:chExt cx="0" cy="0"/>
+        </a:xfrm>
+      </p:grpSpPr>
+      <p:sp>
+        <p:nvSpPr>
+          <p:cNvPr id="2" name="Title 1">
+            <a:extLst>
+              <a:ext uri="{FF2B5EF4-FFF2-40B4-BE49-F238E27FC236}">
+                <a16:creationId xmlns:a16="http://schemas.microsoft.com/office/drawing/2014/main" id="{DD9B8E45-0772-954C-8D4B-6E6808DFEDED}"/>
+              </a:ext>
+            </a:extLst>
+          </p:cNvPr>
+          <p:cNvSpPr>
+            <a:spLocks noGrp="1"/>
+          </p:cNvSpPr>
+          <p:nvPr>
+            <p:ph type="title"/>
+          </p:nvPr>
+        </p:nvSpPr>
+        <p:spPr>
+          <a:xfrm>
+            <a:off x="838200" y="365129"/>
+            <a:ext cx="10002520" cy="1325563"/>
+          </a:xfrm>
+          <a:prstGeom prst="rect">
+            <a:avLst/>
+          </a:prstGeom>
+        </p:spPr>
+        <p:txBody>
+          <a:bodyPr/>
+          <a:lstStyle/>
           <a:p>
             <a:pPr lvl="0" indent="0" marL="0">
               <a:buNone/>
             </a:pPr>
             <a:r>
               <a:rPr/>
-              <a:t>Repeated-Measures (within-subject)</a:t>
+              <a:t>More specific</a:t>
+            </a:r>
+          </a:p>
+        </p:txBody>
+      </p:sp>
+      <p:pic>
+        <p:nvPicPr>
+          <p:cNvPr descr="images/paste-D6830C87.png" id="0" name="Picture 1"/>
+          <p:cNvPicPr>
+            <a:picLocks noGrp="1" noChangeAspect="1"/>
+          </p:cNvPicPr>
+          <p:nvPr/>
+        </p:nvPicPr>
+        <p:blipFill>
+          <a:blip r:embed="rId2"/>
+          <a:stretch>
+            <a:fillRect/>
+          </a:stretch>
+        </p:blipFill>
+        <p:spPr bwMode="auto">
+          <a:xfrm>
+            <a:off x="2946400" y="1816100"/>
+            <a:ext cx="6286500" cy="4343400"/>
+          </a:xfrm>
+          <a:prstGeom prst="rect">
+            <a:avLst/>
+          </a:prstGeom>
+          <a:noFill/>
+          <a:ln w="9525">
+            <a:noFill/>
+            <a:headEnd/>
+            <a:tailEnd/>
+          </a:ln>
+        </p:spPr>
+      </p:pic>
+    </p:spTree>
+  </p:cSld>
+</p:sld>
+</file>
+
+<file path=ppt/slides/slide6.xml><?xml version="1.0" encoding="utf-8"?>
+<p:sld xmlns:a="http://schemas.openxmlformats.org/drawingml/2006/main" xmlns:r="http://schemas.openxmlformats.org/officeDocument/2006/relationships" xmlns:p="http://schemas.openxmlformats.org/presentationml/2006/main">
+  <p:cSld>
+    <p:spTree>
+      <p:nvGrpSpPr>
+        <p:cNvPr id="1" name=""/>
+        <p:cNvGrpSpPr/>
+        <p:nvPr/>
+      </p:nvGrpSpPr>
+      <p:grpSpPr>
+        <a:xfrm>
+          <a:off x="0" y="0"/>
+          <a:ext cx="0" cy="0"/>
+          <a:chOff x="0" y="0"/>
+          <a:chExt cx="0" cy="0"/>
+        </a:xfrm>
+      </p:grpSpPr>
+      <p:sp>
+        <p:nvSpPr>
+          <p:cNvPr id="2" name="Title 1">
+            <a:extLst>
+              <a:ext uri="{FF2B5EF4-FFF2-40B4-BE49-F238E27FC236}">
+                <a16:creationId xmlns:a16="http://schemas.microsoft.com/office/drawing/2014/main" id="{DD9B8E45-0772-954C-8D4B-6E6808DFEDED}"/>
+              </a:ext>
+            </a:extLst>
+          </p:cNvPr>
+          <p:cNvSpPr>
+            <a:spLocks noGrp="1"/>
+          </p:cNvSpPr>
+          <p:nvPr>
+            <p:ph type="title"/>
+          </p:nvPr>
+        </p:nvSpPr>
+        <p:spPr>
+          <a:xfrm>
+            <a:off x="838200" y="365129"/>
+            <a:ext cx="10002520" cy="1325563"/>
+          </a:xfrm>
+          <a:prstGeom prst="rect">
+            <a:avLst/>
+          </a:prstGeom>
+        </p:spPr>
+        <p:txBody>
+          <a:bodyPr/>
+          <a:lstStyle/>
+          <a:p>
+            <a:pPr lvl="0" indent="0" marL="0">
+              <a:buNone/>
+            </a:pPr>
+            <a:r>
+              <a:rPr/>
+              <a:t>Notation</a:t>
+            </a:r>
+          </a:p>
+        </p:txBody>
+      </p:sp>
+      <p:sp>
+        <p:nvSpPr>
+          <p:cNvPr id="3" name="Content Placeholder 2">
+            <a:extLst>
+              <a:ext uri="{FF2B5EF4-FFF2-40B4-BE49-F238E27FC236}">
+                <a16:creationId xmlns:a16="http://schemas.microsoft.com/office/drawing/2014/main" id="{A4EB24F9-04F1-C843-9D71-56C5C024552B}"/>
+              </a:ext>
+            </a:extLst>
+          </p:cNvPr>
+          <p:cNvSpPr>
+            <a:spLocks noGrp="1"/>
+          </p:cNvSpPr>
+          <p:nvPr>
+            <p:ph idx="1"/>
+          </p:nvPr>
+        </p:nvSpPr>
+        <p:spPr/>
+        <p:txBody>
+          <a:bodyPr/>
+          <a:lstStyle/>
+          <a:p>
+            <a:pPr lvl="0" indent="0" marL="0">
+              <a:buNone/>
+            </a:pPr>
+            <a:r>
+              <a:rPr/>
+              <a:t>We use a notation system to refer to these designs:</a:t>
+            </a:r>
+          </a:p>
+          <a:p>
+            <a:pPr lvl="0" indent="0" marL="0">
+              <a:buNone/>
+            </a:pPr>
+            <a:r>
+              <a:rPr u="sng"/>
+              <a:t>2x2 = Two-way ANOVA</a:t>
+            </a:r>
+            <a:r>
+              <a:rPr/>
+              <a:t>. There are two IVS, the first IV has two levels, the second IV has 2 levels. There are a total of 4 conditions, 2x2 = 4.</a:t>
+            </a:r>
+          </a:p>
+          <a:p>
+            <a:pPr lvl="0" indent="0" marL="0">
+              <a:buNone/>
+            </a:pPr>
+            <a:r>
+              <a:rPr u="sng"/>
+              <a:t>2x3 = Two-way ANOVA.</a:t>
+            </a:r>
+            <a:r>
+              <a:rPr/>
+              <a:t> There are two IVs, the first IV has two levels, the second IV has three levels. There are a total of 6 conditions, 2x3 = 6</a:t>
+            </a:r>
+          </a:p>
+          <a:p>
+            <a:pPr lvl="0" indent="0" marL="0">
+              <a:buNone/>
+            </a:pPr>
+            <a:r>
+              <a:rPr u="sng"/>
+              <a:t>4x4 = Two-way ANOVA.</a:t>
+            </a:r>
+            <a:r>
+              <a:rPr/>
+              <a:t> There are two IVs, the first IV has 4 levels, the second IV has 4 levels. There are a total of 16 condition, 4x4=16</a:t>
+            </a:r>
+          </a:p>
+          <a:p>
+            <a:pPr lvl="0" indent="0" marL="0">
+              <a:buNone/>
+            </a:pPr>
+            <a:r>
+              <a:rPr b="1" u="sng"/>
+              <a:t>2x3x2 = Three-way ANOVA</a:t>
+            </a:r>
+            <a:r>
+              <a:rPr/>
+              <a:t>.There are a total of three IVs. The first IV has 2 levels. The second IV has 3 levels. The third IV has 2 levels. There are a total of 12 condition. 2x3x2 = 12.</a:t>
+            </a:r>
+          </a:p>
+        </p:txBody>
+      </p:sp>
+    </p:spTree>
+  </p:cSld>
+</p:sld>
+</file>
+
+<file path=ppt/slides/slide7.xml><?xml version="1.0" encoding="utf-8"?>
+<p:sld xmlns:a="http://schemas.openxmlformats.org/drawingml/2006/main" xmlns:r="http://schemas.openxmlformats.org/officeDocument/2006/relationships" xmlns:p="http://schemas.openxmlformats.org/presentationml/2006/main">
+  <p:cSld>
+    <p:spTree>
+      <p:nvGrpSpPr>
+        <p:cNvPr id="1" name=""/>
+        <p:cNvGrpSpPr/>
+        <p:nvPr/>
+      </p:nvGrpSpPr>
+      <p:grpSpPr>
+        <a:xfrm>
+          <a:off x="0" y="0"/>
+          <a:ext cx="0" cy="0"/>
+          <a:chOff x="0" y="0"/>
+          <a:chExt cx="0" cy="0"/>
+        </a:xfrm>
+      </p:grpSpPr>
+      <p:sp>
+        <p:nvSpPr>
+          <p:cNvPr id="2" name="Title 1">
+            <a:extLst>
+              <a:ext uri="{FF2B5EF4-FFF2-40B4-BE49-F238E27FC236}">
+                <a16:creationId xmlns:a16="http://schemas.microsoft.com/office/drawing/2014/main" id="{DD9B8E45-0772-954C-8D4B-6E6808DFEDED}"/>
+              </a:ext>
+            </a:extLst>
+          </p:cNvPr>
+          <p:cNvSpPr>
+            <a:spLocks noGrp="1"/>
+          </p:cNvSpPr>
+          <p:nvPr>
+            <p:ph type="title"/>
+          </p:nvPr>
+        </p:nvSpPr>
+        <p:spPr>
+          <a:xfrm>
+            <a:off x="838200" y="365129"/>
+            <a:ext cx="10002520" cy="1325563"/>
+          </a:xfrm>
+          <a:prstGeom prst="rect">
+            <a:avLst/>
+          </a:prstGeom>
+        </p:spPr>
+        <p:txBody>
+          <a:bodyPr/>
+          <a:lstStyle/>
+          <a:p>
+            <a:pPr lvl="0" indent="0" marL="0">
+              <a:buNone/>
+            </a:pPr>
+            <a:r>
+              <a:rPr/>
+              <a:t>3 ‘flavours’ of 2x2 ANOVA</a:t>
+            </a:r>
+          </a:p>
+        </p:txBody>
+      </p:sp>
+      <p:sp>
+        <p:nvSpPr>
+          <p:cNvPr id="3" name="Content Placeholder 2">
+            <a:extLst>
+              <a:ext uri="{FF2B5EF4-FFF2-40B4-BE49-F238E27FC236}">
+                <a16:creationId xmlns:a16="http://schemas.microsoft.com/office/drawing/2014/main" id="{A4EB24F9-04F1-C843-9D71-56C5C024552B}"/>
+              </a:ext>
+            </a:extLst>
+          </p:cNvPr>
+          <p:cNvSpPr>
+            <a:spLocks noGrp="1"/>
+          </p:cNvSpPr>
+          <p:nvPr>
+            <p:ph idx="1"/>
+          </p:nvPr>
+        </p:nvSpPr>
+        <p:spPr/>
+        <p:txBody>
+          <a:bodyPr/>
+          <a:lstStyle/>
+          <a:p>
+            <a:pPr lvl="0" indent="0" marL="0">
+              <a:buNone/>
+            </a:pPr>
+            <a:r>
+              <a:rPr b="1"/>
+              <a:t>2bx2b</a:t>
+            </a:r>
+            <a:r>
+              <a:rPr/>
+              <a:t> - Between-subjects/Factorial ANOVA</a:t>
+            </a:r>
+          </a:p>
+          <a:p>
+            <a:pPr lvl="0" indent="0" marL="0">
+              <a:buNone/>
+            </a:pPr>
+            <a:r>
+              <a:rPr b="1"/>
+              <a:t>2wx2w</a:t>
+            </a:r>
+            <a:r>
+              <a:rPr/>
+              <a:t> - Within-subject/Repeated Measures ANOVA</a:t>
+            </a:r>
+          </a:p>
+          <a:p>
+            <a:pPr lvl="0" indent="0" marL="0">
+              <a:buNone/>
+            </a:pPr>
+            <a:r>
+              <a:rPr b="1"/>
+              <a:t>2bx2w</a:t>
+            </a:r>
+            <a:r>
+              <a:rPr/>
+              <a:t> or </a:t>
+            </a:r>
+            <a:r>
+              <a:rPr b="1"/>
+              <a:t>2wx2b</a:t>
+            </a:r>
+            <a:r>
+              <a:rPr/>
+              <a:t> - Mixed ANOVA</a:t>
+            </a:r>
+          </a:p>
+          <a:p>
+            <a:pPr lvl="0" indent="0" marL="0">
+              <a:buNone/>
+            </a:pPr>
+            <a:r>
+              <a:rPr/>
+              <a:t>You will be using one of these (all supported by SPSS Exercise 1 and 2)</a:t>
+            </a:r>
+          </a:p>
+          <a:p>
+            <a:pPr lvl="0" indent="0" marL="0">
+              <a:buNone/>
+            </a:pPr>
+            <a:r>
+              <a:rPr/>
+              <a:t>JAMOVI is a reasonable alternative to SPSS (also supported in Exercise 1 and 2)</a:t>
+            </a:r>
+          </a:p>
+        </p:txBody>
+      </p:sp>
+    </p:spTree>
+  </p:cSld>
+</p:sld>
+</file>
+
+<file path=ppt/slides/slide8.xml><?xml version="1.0" encoding="utf-8"?>
+<p:sld xmlns:a="http://schemas.openxmlformats.org/drawingml/2006/main" xmlns:r="http://schemas.openxmlformats.org/officeDocument/2006/relationships" xmlns:p="http://schemas.openxmlformats.org/presentationml/2006/main">
+  <p:cSld>
+    <p:spTree>
+      <p:nvGrpSpPr>
+        <p:cNvPr id="1" name=""/>
+        <p:cNvGrpSpPr/>
+        <p:nvPr/>
+      </p:nvGrpSpPr>
+      <p:grpSpPr>
+        <a:xfrm>
+          <a:off x="0" y="0"/>
+          <a:ext cx="0" cy="0"/>
+          <a:chOff x="0" y="0"/>
+          <a:chExt cx="0" cy="0"/>
+        </a:xfrm>
+      </p:grpSpPr>
+      <p:sp>
+        <p:nvSpPr>
+          <p:cNvPr id="2" name="Title 1">
+            <a:extLst>
+              <a:ext uri="{FF2B5EF4-FFF2-40B4-BE49-F238E27FC236}">
+                <a16:creationId xmlns:a16="http://schemas.microsoft.com/office/drawing/2014/main" id="{DD9B8E45-0772-954C-8D4B-6E6808DFEDED}"/>
+              </a:ext>
+            </a:extLst>
+          </p:cNvPr>
+          <p:cNvSpPr>
+            <a:spLocks noGrp="1"/>
+          </p:cNvSpPr>
+          <p:nvPr>
+            <p:ph type="title"/>
+          </p:nvPr>
+        </p:nvSpPr>
+        <p:spPr>
+          <a:xfrm>
+            <a:off x="838200" y="365129"/>
+            <a:ext cx="10002520" cy="1325563"/>
+          </a:xfrm>
+          <a:prstGeom prst="rect">
+            <a:avLst/>
+          </a:prstGeom>
+        </p:spPr>
+        <p:txBody>
+          <a:bodyPr/>
+          <a:lstStyle/>
+          <a:p>
+            <a:pPr lvl="0" indent="0" marL="0">
+              <a:buNone/>
+            </a:pPr>
+            <a:r>
+              <a:rPr/>
+              <a:t>The 3 effects possible in a 2x2 ANOVA</a:t>
+            </a:r>
+          </a:p>
+        </p:txBody>
+      </p:sp>
+      <p:sp>
+        <p:nvSpPr>
+          <p:cNvPr id="3" name="Content Placeholder 2">
+            <a:extLst>
+              <a:ext uri="{FF2B5EF4-FFF2-40B4-BE49-F238E27FC236}">
+                <a16:creationId xmlns:a16="http://schemas.microsoft.com/office/drawing/2014/main" id="{A4EB24F9-04F1-C843-9D71-56C5C024552B}"/>
+              </a:ext>
+            </a:extLst>
+          </p:cNvPr>
+          <p:cNvSpPr>
+            <a:spLocks noGrp="1"/>
+          </p:cNvSpPr>
+          <p:nvPr>
+            <p:ph idx="1"/>
+          </p:nvPr>
+        </p:nvSpPr>
+        <p:spPr/>
+        <p:txBody>
+          <a:bodyPr/>
+          <a:lstStyle/>
+          <a:p>
+            <a:pPr lvl="0" indent="0" marL="0">
+              <a:buNone/>
+            </a:pPr>
+            <a:r>
+              <a:rPr/>
+              <a:t>Main effect of IV1</a:t>
+            </a:r>
+          </a:p>
+          <a:p>
+            <a:pPr lvl="0" indent="0" marL="0">
+              <a:buNone/>
+            </a:pPr>
+            <a:r>
+              <a:rPr/>
+              <a:t>Main effect of IV2</a:t>
+            </a:r>
+          </a:p>
+          <a:p>
+            <a:pPr lvl="0" indent="0" marL="0">
+              <a:buNone/>
+            </a:pPr>
+            <a:r>
+              <a:rPr/>
+              <a:t>Interaction of IV1*IV2</a:t>
+            </a:r>
+          </a:p>
+        </p:txBody>
+      </p:sp>
+    </p:spTree>
+  </p:cSld>
+</p:sld>
+</file>
+
+<file path=ppt/slides/slide9.xml><?xml version="1.0" encoding="utf-8"?>
+<p:sld xmlns:a="http://schemas.openxmlformats.org/drawingml/2006/main" xmlns:r="http://schemas.openxmlformats.org/officeDocument/2006/relationships" xmlns:p="http://schemas.openxmlformats.org/presentationml/2006/main">
+  <p:cSld>
+    <p:spTree>
+      <p:nvGrpSpPr>
+        <p:cNvPr id="1" name=""/>
+        <p:cNvGrpSpPr/>
+        <p:nvPr/>
+      </p:nvGrpSpPr>
+      <p:grpSpPr>
+        <a:xfrm>
+          <a:off x="0" y="0"/>
+          <a:ext cx="0" cy="0"/>
+          <a:chOff x="0" y="0"/>
+          <a:chExt cx="0" cy="0"/>
+        </a:xfrm>
+      </p:grpSpPr>
+      <p:sp>
+        <p:nvSpPr>
+          <p:cNvPr id="2" name="Title 1">
+            <a:extLst>
+              <a:ext uri="{FF2B5EF4-FFF2-40B4-BE49-F238E27FC236}">
+                <a16:creationId xmlns:a16="http://schemas.microsoft.com/office/drawing/2014/main" id="{DD9B8E45-0772-954C-8D4B-6E6808DFEDED}"/>
+              </a:ext>
+            </a:extLst>
+          </p:cNvPr>
+          <p:cNvSpPr>
+            <a:spLocks noGrp="1"/>
+          </p:cNvSpPr>
+          <p:nvPr>
+            <p:ph type="title"/>
+          </p:nvPr>
+        </p:nvSpPr>
+        <p:spPr>
+          <a:xfrm>
+            <a:off x="838200" y="365129"/>
+            <a:ext cx="10002520" cy="1325563"/>
+          </a:xfrm>
+          <a:prstGeom prst="rect">
+            <a:avLst/>
+          </a:prstGeom>
+        </p:spPr>
+        <p:txBody>
+          <a:bodyPr/>
+          <a:lstStyle/>
+          <a:p>
+            <a:pPr lvl="0" indent="0" marL="0">
+              <a:buNone/>
+            </a:pPr>
+            <a:r>
+              <a:rPr/>
+              <a:t>therefore 8 possible ‘outcomes’ of a 2x2 ANOVA</a:t>
+            </a:r>
+          </a:p>
+        </p:txBody>
+      </p:sp>
+      <p:sp>
+        <p:nvSpPr>
+          <p:cNvPr id="3" name="Content Placeholder 2">
+            <a:extLst>
+              <a:ext uri="{FF2B5EF4-FFF2-40B4-BE49-F238E27FC236}">
+                <a16:creationId xmlns:a16="http://schemas.microsoft.com/office/drawing/2014/main" id="{A4EB24F9-04F1-C843-9D71-56C5C024552B}"/>
+              </a:ext>
+            </a:extLst>
+          </p:cNvPr>
+          <p:cNvSpPr>
+            <a:spLocks noGrp="1"/>
+          </p:cNvSpPr>
+          <p:nvPr>
+            <p:ph idx="1"/>
+          </p:nvPr>
+        </p:nvSpPr>
+        <p:spPr/>
+        <p:txBody>
+          <a:bodyPr/>
+          <a:lstStyle/>
+          <a:p>
+            <a:pPr lvl="0"/>
+            <a:r>
+              <a:rPr/>
+              <a:t>no IV1 main effect, no IV2 main effect, no interaction</a:t>
+            </a:r>
+          </a:p>
+          <a:p>
+            <a:pPr lvl="0"/>
+            <a:r>
+              <a:rPr/>
+              <a:t>IV1 main effect, no IV2 main effect, no interaction</a:t>
+            </a:r>
+          </a:p>
+          <a:p>
+            <a:pPr lvl="0"/>
+            <a:r>
+              <a:rPr/>
+              <a:t>IV1 main effect, no IV2 main effect, interaction</a:t>
+            </a:r>
+          </a:p>
+          <a:p>
+            <a:pPr lvl="0"/>
+            <a:r>
+              <a:rPr/>
+              <a:t>IV1 main effect, IV2 main effect, no interaction</a:t>
+            </a:r>
+          </a:p>
+          <a:p>
+            <a:pPr lvl="0"/>
+            <a:r>
+              <a:rPr/>
+              <a:t>IV1 main effect, IV2 main effect, interaction</a:t>
+            </a:r>
+          </a:p>
+          <a:p>
+            <a:pPr lvl="0"/>
+            <a:r>
+              <a:rPr/>
+              <a:t>no IV1 main effect, IV2 main effect, no interaction</a:t>
+            </a:r>
+          </a:p>
+          <a:p>
+            <a:pPr lvl="0"/>
+            <a:r>
+              <a:rPr/>
+              <a:t>no IV1 main effect, IV2 main effect, interaction</a:t>
+            </a:r>
+          </a:p>
+          <a:p>
+            <a:pPr lvl="0"/>
+            <a:r>
+              <a:rPr/>
+              <a:t>no IV1 main effect, no IV2 main effect, interaction</a:t>
             </a:r>
           </a:p>
         </p:txBody>

--- a/_site/labs/Lab04/Lab04.pptx
+++ b/_site/labs/Lab04/Lab04.pptx
@@ -4973,7 +4973,7 @@
             </a:pPr>
             <a:r>
               <a:rPr/>
-              <a:t>25 October, 2022</a:t>
+              <a:t>10/25/2022</a:t>
             </a:r>
           </a:p>
         </p:txBody>

--- a/_site/labs/Lab04/Lab04.pptx
+++ b/_site/labs/Lab04/Lab04.pptx
@@ -4973,7 +4973,7 @@
             </a:pPr>
             <a:r>
               <a:rPr/>
-              <a:t>10/25/2022</a:t>
+              <a:t>25 October, 2022</a:t>
             </a:r>
           </a:p>
         </p:txBody>
